--- a/Documentation/Presentations/Meeting 20-05-2022.pptx
+++ b/Documentation/Presentations/Meeting 20-05-2022.pptx
@@ -7,6 +7,13 @@
   <p:sldIdLst>
     <p:sldId id="256" r:id="rId2"/>
     <p:sldId id="257" r:id="rId3"/>
+    <p:sldId id="259" r:id="rId4"/>
+    <p:sldId id="260" r:id="rId5"/>
+    <p:sldId id="261" r:id="rId6"/>
+    <p:sldId id="263" r:id="rId7"/>
+    <p:sldId id="264" r:id="rId8"/>
+    <p:sldId id="258" r:id="rId9"/>
+    <p:sldId id="265" r:id="rId10"/>
   </p:sldIdLst>
   <p:sldSz cx="12192000" cy="6858000"/>
   <p:notesSz cx="6858000" cy="9144000"/>
@@ -105,6 +112,11 @@
       </a:defRPr>
     </a:lvl9pPr>
   </p:defaultTextStyle>
+  <p:extLst>
+    <p:ext uri="{EFAFB233-063F-42B5-8137-9DF3F51BA10A}">
+      <p15:sldGuideLst xmlns:p15="http://schemas.microsoft.com/office/powerpoint/2012/main"/>
+    </p:ext>
+  </p:extLst>
 </p:presentation>
 </file>
 
@@ -3447,7 +3459,10 @@
           <a:bodyPr/>
           <a:lstStyle/>
           <a:p>
-            <a:endParaRPr lang="en-US"/>
+            <a:r>
+              <a:rPr lang="en-US" dirty="0"/>
+              <a:t>Contents</a:t>
+            </a:r>
           </a:p>
         </p:txBody>
       </p:sp>
@@ -3469,91 +3484,39 @@
         </p:nvSpPr>
         <p:spPr/>
         <p:txBody>
-          <a:bodyPr/>
+          <a:bodyPr>
+            <a:normAutofit/>
+          </a:bodyPr>
           <a:lstStyle/>
           <a:p>
             <a:r>
               <a:rPr lang="en-US" dirty="0"/>
-              <a:t>LSTM PR </a:t>
-            </a:r>
-            <a:r>
-              <a:rPr lang="en-US" dirty="0" err="1"/>
-              <a:t>img</a:t>
-            </a:r>
+              <a:t>Image + PR model issues</a:t>
+            </a:r>
+          </a:p>
+          <a:p>
             <a:r>
               <a:rPr lang="en-US" dirty="0"/>
-              <a:t> + PR very slow forward pass</a:t>
+              <a:t>CNN linear model</a:t>
             </a:r>
           </a:p>
           <a:p>
             <a:r>
               <a:rPr lang="en-US" dirty="0"/>
-              <a:t>Inconsistent training from CNN linear</a:t>
-            </a:r>
-          </a:p>
-          <a:p>
-            <a:r>
-              <a:rPr lang="en-US" dirty="0">
-                <a:solidFill>
-                  <a:srgbClr val="FF0000"/>
-                </a:solidFill>
-                <a:highlight>
-                  <a:srgbClr val="FFFF00"/>
-                </a:highlight>
-              </a:rPr>
-              <a:t>Inference time</a:t>
-            </a:r>
-          </a:p>
-          <a:p>
-            <a:r>
-              <a:rPr lang="en-US" dirty="0">
-                <a:solidFill>
-                  <a:srgbClr val="FF0000"/>
-                </a:solidFill>
-                <a:highlight>
-                  <a:srgbClr val="FFFF00"/>
-                </a:highlight>
-              </a:rPr>
-              <a:t>Ink blot performance</a:t>
+              <a:t>Testing models</a:t>
             </a:r>
           </a:p>
           <a:p>
             <a:r>
               <a:rPr lang="en-US" dirty="0"/>
-              <a:t>Paper discussion:</a:t>
-            </a:r>
-          </a:p>
-          <a:p>
-            <a:pPr lvl="1"/>
+              <a:t>Loss functions</a:t>
+            </a:r>
+          </a:p>
+          <a:p>
             <a:r>
               <a:rPr lang="en-US" dirty="0"/>
-              <a:t>Good in word or latex necessary</a:t>
-            </a:r>
-          </a:p>
-          <a:p>
-            <a:pPr lvl="2"/>
-            <a:r>
-              <a:rPr lang="en-US" dirty="0"/>
-              <a:t>Font, theme, reference style</a:t>
-            </a:r>
-          </a:p>
-          <a:p>
-            <a:pPr lvl="1"/>
-            <a:r>
-              <a:rPr lang="en-US" dirty="0"/>
-              <a:t>Conference paper necessary</a:t>
-            </a:r>
-          </a:p>
-          <a:p>
-            <a:pPr lvl="1"/>
-            <a:r>
-              <a:rPr lang="en-US" dirty="0"/>
-              <a:t>Extra results in appendix</a:t>
-            </a:r>
-          </a:p>
-          <a:p>
-            <a:pPr lvl="1"/>
-            <a:endParaRPr lang="en-US" dirty="0"/>
+              <a:t>Paper discussion</a:t>
+            </a:r>
           </a:p>
           <a:p>
             <a:pPr lvl="1"/>
@@ -3565,6 +3528,1167 @@
     <p:extLst>
       <p:ext uri="{BB962C8B-B14F-4D97-AF65-F5344CB8AC3E}">
         <p14:creationId xmlns:p14="http://schemas.microsoft.com/office/powerpoint/2010/main" val="3258490701"/>
+      </p:ext>
+    </p:extLst>
+  </p:cSld>
+  <p:clrMapOvr>
+    <a:masterClrMapping/>
+  </p:clrMapOvr>
+</p:sld>
+</file>
+
+<file path=ppt/slides/slide3.xml><?xml version="1.0" encoding="utf-8"?>
+<p:sld xmlns:a="http://schemas.openxmlformats.org/drawingml/2006/main" xmlns:r="http://schemas.openxmlformats.org/officeDocument/2006/relationships" xmlns:p="http://schemas.openxmlformats.org/presentationml/2006/main">
+  <p:cSld>
+    <p:spTree>
+      <p:nvGrpSpPr>
+        <p:cNvPr id="1" name=""/>
+        <p:cNvGrpSpPr/>
+        <p:nvPr/>
+      </p:nvGrpSpPr>
+      <p:grpSpPr>
+        <a:xfrm>
+          <a:off x="0" y="0"/>
+          <a:ext cx="0" cy="0"/>
+          <a:chOff x="0" y="0"/>
+          <a:chExt cx="0" cy="0"/>
+        </a:xfrm>
+      </p:grpSpPr>
+      <p:sp>
+        <p:nvSpPr>
+          <p:cNvPr id="2" name="Titel 1">
+            <a:extLst>
+              <a:ext uri="{FF2B5EF4-FFF2-40B4-BE49-F238E27FC236}">
+                <a16:creationId xmlns:a16="http://schemas.microsoft.com/office/drawing/2014/main" id="{E2F96298-640A-9C0D-E97B-E01735A087E6}"/>
+              </a:ext>
+            </a:extLst>
+          </p:cNvPr>
+          <p:cNvSpPr>
+            <a:spLocks noGrp="1"/>
+          </p:cNvSpPr>
+          <p:nvPr>
+            <p:ph type="title"/>
+          </p:nvPr>
+        </p:nvSpPr>
+        <p:spPr/>
+        <p:txBody>
+          <a:bodyPr/>
+          <a:lstStyle/>
+          <a:p>
+            <a:r>
+              <a:rPr lang="en-US" dirty="0"/>
+              <a:t>Image + PR model</a:t>
+            </a:r>
+          </a:p>
+        </p:txBody>
+      </p:sp>
+      <p:pic>
+        <p:nvPicPr>
+          <p:cNvPr id="5" name="Tijdelijke aanduiding voor inhoud 4">
+            <a:extLst>
+              <a:ext uri="{FF2B5EF4-FFF2-40B4-BE49-F238E27FC236}">
+                <a16:creationId xmlns:a16="http://schemas.microsoft.com/office/drawing/2014/main" id="{AED3B530-A35D-DF35-2EB8-FD44EEE32DA8}"/>
+              </a:ext>
+            </a:extLst>
+          </p:cNvPr>
+          <p:cNvPicPr>
+            <a:picLocks noGrp="1" noChangeAspect="1"/>
+          </p:cNvPicPr>
+          <p:nvPr>
+            <p:ph idx="1"/>
+          </p:nvPr>
+        </p:nvPicPr>
+        <p:blipFill>
+          <a:blip r:embed="rId2">
+            <a:extLst>
+              <a:ext uri="{28A0092B-C50C-407E-A947-70E740481C1C}">
+                <a14:useLocalDpi xmlns:a14="http://schemas.microsoft.com/office/drawing/2010/main" val="0"/>
+              </a:ext>
+            </a:extLst>
+          </a:blip>
+          <a:stretch>
+            <a:fillRect/>
+          </a:stretch>
+        </p:blipFill>
+        <p:spPr>
+          <a:xfrm>
+            <a:off x="1233111" y="1825625"/>
+            <a:ext cx="9725777" cy="4351338"/>
+          </a:xfrm>
+        </p:spPr>
+      </p:pic>
+      <p:sp>
+        <p:nvSpPr>
+          <p:cNvPr id="7" name="Ovaal 6">
+            <a:extLst>
+              <a:ext uri="{FF2B5EF4-FFF2-40B4-BE49-F238E27FC236}">
+                <a16:creationId xmlns:a16="http://schemas.microsoft.com/office/drawing/2014/main" id="{6216BF7C-838B-B4A1-CD65-6514F4DE47A6}"/>
+              </a:ext>
+            </a:extLst>
+          </p:cNvPr>
+          <p:cNvSpPr/>
+          <p:nvPr/>
+        </p:nvSpPr>
+        <p:spPr>
+          <a:xfrm>
+            <a:off x="3879273" y="1948873"/>
+            <a:ext cx="424872" cy="1256145"/>
+          </a:xfrm>
+          <a:prstGeom prst="ellipse">
+            <a:avLst/>
+          </a:prstGeom>
+          <a:noFill/>
+          <a:ln w="28575">
+            <a:solidFill>
+              <a:srgbClr val="FF0000"/>
+            </a:solidFill>
+          </a:ln>
+        </p:spPr>
+        <p:style>
+          <a:lnRef idx="2">
+            <a:schemeClr val="accent1">
+              <a:shade val="50000"/>
+            </a:schemeClr>
+          </a:lnRef>
+          <a:fillRef idx="1">
+            <a:schemeClr val="accent1"/>
+          </a:fillRef>
+          <a:effectRef idx="0">
+            <a:schemeClr val="accent1"/>
+          </a:effectRef>
+          <a:fontRef idx="minor">
+            <a:schemeClr val="lt1"/>
+          </a:fontRef>
+        </p:style>
+        <p:txBody>
+          <a:bodyPr rtlCol="0" anchor="ctr"/>
+          <a:lstStyle/>
+          <a:p>
+            <a:pPr algn="ctr"/>
+            <a:endParaRPr lang="en-US">
+              <a:noFill/>
+            </a:endParaRPr>
+          </a:p>
+        </p:txBody>
+      </p:sp>
+    </p:spTree>
+    <p:extLst>
+      <p:ext uri="{BB962C8B-B14F-4D97-AF65-F5344CB8AC3E}">
+        <p14:creationId xmlns:p14="http://schemas.microsoft.com/office/powerpoint/2010/main" val="943192102"/>
+      </p:ext>
+    </p:extLst>
+  </p:cSld>
+  <p:clrMapOvr>
+    <a:masterClrMapping/>
+  </p:clrMapOvr>
+</p:sld>
+</file>
+
+<file path=ppt/slides/slide4.xml><?xml version="1.0" encoding="utf-8"?>
+<p:sld xmlns:a="http://schemas.openxmlformats.org/drawingml/2006/main" xmlns:r="http://schemas.openxmlformats.org/officeDocument/2006/relationships" xmlns:p="http://schemas.openxmlformats.org/presentationml/2006/main">
+  <p:cSld>
+    <p:spTree>
+      <p:nvGrpSpPr>
+        <p:cNvPr id="1" name=""/>
+        <p:cNvGrpSpPr/>
+        <p:nvPr/>
+      </p:nvGrpSpPr>
+      <p:grpSpPr>
+        <a:xfrm>
+          <a:off x="0" y="0"/>
+          <a:ext cx="0" cy="0"/>
+          <a:chOff x="0" y="0"/>
+          <a:chExt cx="0" cy="0"/>
+        </a:xfrm>
+      </p:grpSpPr>
+      <p:sp>
+        <p:nvSpPr>
+          <p:cNvPr id="2" name="Titel 1">
+            <a:extLst>
+              <a:ext uri="{FF2B5EF4-FFF2-40B4-BE49-F238E27FC236}">
+                <a16:creationId xmlns:a16="http://schemas.microsoft.com/office/drawing/2014/main" id="{8F865BE0-5E1F-5C90-5A3E-59DF9C54B856}"/>
+              </a:ext>
+            </a:extLst>
+          </p:cNvPr>
+          <p:cNvSpPr>
+            <a:spLocks noGrp="1"/>
+          </p:cNvSpPr>
+          <p:nvPr>
+            <p:ph type="title"/>
+          </p:nvPr>
+        </p:nvSpPr>
+        <p:spPr/>
+        <p:txBody>
+          <a:bodyPr/>
+          <a:lstStyle/>
+          <a:p>
+            <a:r>
+              <a:rPr lang="en-US" dirty="0"/>
+              <a:t>CNN linear</a:t>
+            </a:r>
+          </a:p>
+        </p:txBody>
+      </p:sp>
+      <p:sp>
+        <p:nvSpPr>
+          <p:cNvPr id="3" name="Tijdelijke aanduiding voor inhoud 2">
+            <a:extLst>
+              <a:ext uri="{FF2B5EF4-FFF2-40B4-BE49-F238E27FC236}">
+                <a16:creationId xmlns:a16="http://schemas.microsoft.com/office/drawing/2014/main" id="{AA4A2638-296B-1B9D-CE23-C1ECC1AD91A1}"/>
+              </a:ext>
+            </a:extLst>
+          </p:cNvPr>
+          <p:cNvSpPr>
+            <a:spLocks noGrp="1"/>
+          </p:cNvSpPr>
+          <p:nvPr>
+            <p:ph idx="1"/>
+          </p:nvPr>
+        </p:nvSpPr>
+        <p:spPr/>
+        <p:txBody>
+          <a:bodyPr/>
+          <a:lstStyle/>
+          <a:p>
+            <a:r>
+              <a:rPr lang="en-US" dirty="0"/>
+              <a:t>New model without LSTM -&gt; lower latency</a:t>
+            </a:r>
+          </a:p>
+          <a:p>
+            <a:r>
+              <a:rPr lang="en-US" dirty="0"/>
+              <a:t>Inconsistent training</a:t>
+            </a:r>
+          </a:p>
+          <a:p>
+            <a:pPr lvl="1"/>
+            <a:r>
+              <a:rPr lang="en-US" dirty="0"/>
+              <a:t>Anomaly in first epoch</a:t>
+            </a:r>
+          </a:p>
+          <a:p>
+            <a:endParaRPr lang="en-US" dirty="0"/>
+          </a:p>
+          <a:p>
+            <a:endParaRPr lang="en-US" dirty="0"/>
+          </a:p>
+          <a:p>
+            <a:endParaRPr lang="en-US" dirty="0"/>
+          </a:p>
+          <a:p>
+            <a:endParaRPr lang="en-US" dirty="0"/>
+          </a:p>
+          <a:p>
+            <a:endParaRPr lang="en-US" dirty="0"/>
+          </a:p>
+        </p:txBody>
+      </p:sp>
+      <p:pic>
+        <p:nvPicPr>
+          <p:cNvPr id="5" name="Afbeelding 4">
+            <a:extLst>
+              <a:ext uri="{FF2B5EF4-FFF2-40B4-BE49-F238E27FC236}">
+                <a16:creationId xmlns:a16="http://schemas.microsoft.com/office/drawing/2014/main" id="{3402C624-A6E3-1323-BE1F-0EA7B4998296}"/>
+              </a:ext>
+            </a:extLst>
+          </p:cNvPr>
+          <p:cNvPicPr>
+            <a:picLocks noChangeAspect="1"/>
+          </p:cNvPicPr>
+          <p:nvPr/>
+        </p:nvPicPr>
+        <p:blipFill>
+          <a:blip r:embed="rId2">
+            <a:extLst>
+              <a:ext uri="{28A0092B-C50C-407E-A947-70E740481C1C}">
+                <a14:useLocalDpi xmlns:a14="http://schemas.microsoft.com/office/drawing/2010/main" val="0"/>
+              </a:ext>
+            </a:extLst>
+          </a:blip>
+          <a:stretch>
+            <a:fillRect/>
+          </a:stretch>
+        </p:blipFill>
+        <p:spPr>
+          <a:xfrm>
+            <a:off x="3848099" y="2443162"/>
+            <a:ext cx="9020175" cy="4510088"/>
+          </a:xfrm>
+          <a:prstGeom prst="rect">
+            <a:avLst/>
+          </a:prstGeom>
+        </p:spPr>
+      </p:pic>
+    </p:spTree>
+    <p:extLst>
+      <p:ext uri="{BB962C8B-B14F-4D97-AF65-F5344CB8AC3E}">
+        <p14:creationId xmlns:p14="http://schemas.microsoft.com/office/powerpoint/2010/main" val="43505371"/>
+      </p:ext>
+    </p:extLst>
+  </p:cSld>
+  <p:clrMapOvr>
+    <a:masterClrMapping/>
+  </p:clrMapOvr>
+</p:sld>
+</file>
+
+<file path=ppt/slides/slide5.xml><?xml version="1.0" encoding="utf-8"?>
+<p:sld xmlns:a="http://schemas.openxmlformats.org/drawingml/2006/main" xmlns:r="http://schemas.openxmlformats.org/officeDocument/2006/relationships" xmlns:p="http://schemas.openxmlformats.org/presentationml/2006/main">
+  <p:cSld>
+    <p:spTree>
+      <p:nvGrpSpPr>
+        <p:cNvPr id="1" name=""/>
+        <p:cNvGrpSpPr/>
+        <p:nvPr/>
+      </p:nvGrpSpPr>
+      <p:grpSpPr>
+        <a:xfrm>
+          <a:off x="0" y="0"/>
+          <a:ext cx="0" cy="0"/>
+          <a:chOff x="0" y="0"/>
+          <a:chExt cx="0" cy="0"/>
+        </a:xfrm>
+      </p:grpSpPr>
+      <p:sp>
+        <p:nvSpPr>
+          <p:cNvPr id="2" name="Titel 1">
+            <a:extLst>
+              <a:ext uri="{FF2B5EF4-FFF2-40B4-BE49-F238E27FC236}">
+                <a16:creationId xmlns:a16="http://schemas.microsoft.com/office/drawing/2014/main" id="{DA0DAAA3-85F0-CAC1-ECCD-BF375326ABE5}"/>
+              </a:ext>
+            </a:extLst>
+          </p:cNvPr>
+          <p:cNvSpPr>
+            <a:spLocks noGrp="1"/>
+          </p:cNvSpPr>
+          <p:nvPr>
+            <p:ph type="title"/>
+          </p:nvPr>
+        </p:nvSpPr>
+        <p:spPr/>
+        <p:txBody>
+          <a:bodyPr/>
+          <a:lstStyle/>
+          <a:p>
+            <a:r>
+              <a:rPr lang="en-US" dirty="0"/>
+              <a:t>CNN linear</a:t>
+            </a:r>
+          </a:p>
+        </p:txBody>
+      </p:sp>
+      <p:sp>
+        <p:nvSpPr>
+          <p:cNvPr id="3" name="Tijdelijke aanduiding voor inhoud 2">
+            <a:extLst>
+              <a:ext uri="{FF2B5EF4-FFF2-40B4-BE49-F238E27FC236}">
+                <a16:creationId xmlns:a16="http://schemas.microsoft.com/office/drawing/2014/main" id="{3CCCAA31-9BA4-3F1A-CC72-BF8E0FDD14EB}"/>
+              </a:ext>
+            </a:extLst>
+          </p:cNvPr>
+          <p:cNvSpPr>
+            <a:spLocks noGrp="1"/>
+          </p:cNvSpPr>
+          <p:nvPr>
+            <p:ph idx="1"/>
+          </p:nvPr>
+        </p:nvSpPr>
+        <p:spPr>
+          <a:xfrm>
+            <a:off x="838200" y="1825625"/>
+            <a:ext cx="3609975" cy="4351338"/>
+          </a:xfrm>
+        </p:spPr>
+        <p:txBody>
+          <a:bodyPr/>
+          <a:lstStyle/>
+          <a:p>
+            <a:r>
+              <a:rPr lang="en-US" dirty="0"/>
+              <a:t>Good results</a:t>
+            </a:r>
+          </a:p>
+          <a:p>
+            <a:pPr lvl="1"/>
+            <a:r>
+              <a:rPr lang="en-US" dirty="0"/>
+              <a:t>Average error of </a:t>
+            </a:r>
+            <a:r>
+              <a:rPr lang="en-US" b="1" dirty="0"/>
+              <a:t>2.67°</a:t>
+            </a:r>
+          </a:p>
+          <a:p>
+            <a:pPr lvl="1"/>
+            <a:r>
+              <a:rPr lang="en-US" dirty="0"/>
+              <a:t>Less spread between P and R error</a:t>
+            </a:r>
+          </a:p>
+          <a:p>
+            <a:pPr lvl="1"/>
+            <a:r>
+              <a:rPr lang="en-US" dirty="0"/>
+              <a:t>Increasing trend</a:t>
+            </a:r>
+          </a:p>
+        </p:txBody>
+      </p:sp>
+      <p:pic>
+        <p:nvPicPr>
+          <p:cNvPr id="5" name="Afbeelding 4">
+            <a:extLst>
+              <a:ext uri="{FF2B5EF4-FFF2-40B4-BE49-F238E27FC236}">
+                <a16:creationId xmlns:a16="http://schemas.microsoft.com/office/drawing/2014/main" id="{F9FDE75D-159C-CFFD-D4D6-D5F07A6B6BA1}"/>
+              </a:ext>
+            </a:extLst>
+          </p:cNvPr>
+          <p:cNvPicPr>
+            <a:picLocks noChangeAspect="1"/>
+          </p:cNvPicPr>
+          <p:nvPr/>
+        </p:nvPicPr>
+        <p:blipFill>
+          <a:blip r:embed="rId2">
+            <a:extLst>
+              <a:ext uri="{28A0092B-C50C-407E-A947-70E740481C1C}">
+                <a14:useLocalDpi xmlns:a14="http://schemas.microsoft.com/office/drawing/2010/main" val="0"/>
+              </a:ext>
+            </a:extLst>
+          </a:blip>
+          <a:stretch>
+            <a:fillRect/>
+          </a:stretch>
+        </p:blipFill>
+        <p:spPr>
+          <a:xfrm>
+            <a:off x="4239202" y="0"/>
+            <a:ext cx="8039569" cy="4019785"/>
+          </a:xfrm>
+          <a:prstGeom prst="rect">
+            <a:avLst/>
+          </a:prstGeom>
+        </p:spPr>
+      </p:pic>
+      <p:pic>
+        <p:nvPicPr>
+          <p:cNvPr id="7" name="Afbeelding 6">
+            <a:extLst>
+              <a:ext uri="{FF2B5EF4-FFF2-40B4-BE49-F238E27FC236}">
+                <a16:creationId xmlns:a16="http://schemas.microsoft.com/office/drawing/2014/main" id="{FDDCF119-CAA5-B0E9-49ED-F54D5B931975}"/>
+              </a:ext>
+            </a:extLst>
+          </p:cNvPr>
+          <p:cNvPicPr>
+            <a:picLocks noChangeAspect="1"/>
+          </p:cNvPicPr>
+          <p:nvPr/>
+        </p:nvPicPr>
+        <p:blipFill>
+          <a:blip r:embed="rId3">
+            <a:extLst>
+              <a:ext uri="{28A0092B-C50C-407E-A947-70E740481C1C}">
+                <a14:useLocalDpi xmlns:a14="http://schemas.microsoft.com/office/drawing/2010/main" val="0"/>
+              </a:ext>
+            </a:extLst>
+          </a:blip>
+          <a:stretch>
+            <a:fillRect/>
+          </a:stretch>
+        </p:blipFill>
+        <p:spPr>
+          <a:xfrm>
+            <a:off x="4144530" y="4001294"/>
+            <a:ext cx="8228914" cy="2742972"/>
+          </a:xfrm>
+          <a:prstGeom prst="rect">
+            <a:avLst/>
+          </a:prstGeom>
+        </p:spPr>
+      </p:pic>
+      <p:cxnSp>
+        <p:nvCxnSpPr>
+          <p:cNvPr id="9" name="Rechte verbindingslijn 8">
+            <a:extLst>
+              <a:ext uri="{FF2B5EF4-FFF2-40B4-BE49-F238E27FC236}">
+                <a16:creationId xmlns:a16="http://schemas.microsoft.com/office/drawing/2014/main" id="{D5CECB00-4D99-A5D4-A7EE-1A235DA4E83B}"/>
+              </a:ext>
+            </a:extLst>
+          </p:cNvPr>
+          <p:cNvCxnSpPr/>
+          <p:nvPr/>
+        </p:nvCxnSpPr>
+        <p:spPr>
+          <a:xfrm flipV="1">
+            <a:off x="5429250" y="4876800"/>
+            <a:ext cx="5838825" cy="762000"/>
+          </a:xfrm>
+          <a:prstGeom prst="line">
+            <a:avLst/>
+          </a:prstGeom>
+          <a:ln w="19050">
+            <a:solidFill>
+              <a:schemeClr val="accent4"/>
+            </a:solidFill>
+            <a:prstDash val="sysDash"/>
+          </a:ln>
+        </p:spPr>
+        <p:style>
+          <a:lnRef idx="1">
+            <a:schemeClr val="accent1"/>
+          </a:lnRef>
+          <a:fillRef idx="0">
+            <a:schemeClr val="accent1"/>
+          </a:fillRef>
+          <a:effectRef idx="0">
+            <a:schemeClr val="accent1"/>
+          </a:effectRef>
+          <a:fontRef idx="minor">
+            <a:schemeClr val="tx1"/>
+          </a:fontRef>
+        </p:style>
+      </p:cxnSp>
+      <p:cxnSp>
+        <p:nvCxnSpPr>
+          <p:cNvPr id="10" name="Rechte verbindingslijn 9">
+            <a:extLst>
+              <a:ext uri="{FF2B5EF4-FFF2-40B4-BE49-F238E27FC236}">
+                <a16:creationId xmlns:a16="http://schemas.microsoft.com/office/drawing/2014/main" id="{416F1A92-E9B0-0000-2033-7AAA66AD1416}"/>
+              </a:ext>
+            </a:extLst>
+          </p:cNvPr>
+          <p:cNvCxnSpPr>
+            <a:cxnSpLocks/>
+          </p:cNvCxnSpPr>
+          <p:nvPr/>
+        </p:nvCxnSpPr>
+        <p:spPr>
+          <a:xfrm flipV="1">
+            <a:off x="5491397" y="4876800"/>
+            <a:ext cx="5656894" cy="1163855"/>
+          </a:xfrm>
+          <a:prstGeom prst="line">
+            <a:avLst/>
+          </a:prstGeom>
+          <a:ln w="19050">
+            <a:solidFill>
+              <a:srgbClr val="0070C0"/>
+            </a:solidFill>
+            <a:prstDash val="sysDash"/>
+          </a:ln>
+        </p:spPr>
+        <p:style>
+          <a:lnRef idx="1">
+            <a:schemeClr val="accent1"/>
+          </a:lnRef>
+          <a:fillRef idx="0">
+            <a:schemeClr val="accent1"/>
+          </a:fillRef>
+          <a:effectRef idx="0">
+            <a:schemeClr val="accent1"/>
+          </a:effectRef>
+          <a:fontRef idx="minor">
+            <a:schemeClr val="tx1"/>
+          </a:fontRef>
+        </p:style>
+      </p:cxnSp>
+    </p:spTree>
+    <p:extLst>
+      <p:ext uri="{BB962C8B-B14F-4D97-AF65-F5344CB8AC3E}">
+        <p14:creationId xmlns:p14="http://schemas.microsoft.com/office/powerpoint/2010/main" val="2226744085"/>
+      </p:ext>
+    </p:extLst>
+  </p:cSld>
+  <p:clrMapOvr>
+    <a:masterClrMapping/>
+  </p:clrMapOvr>
+</p:sld>
+</file>
+
+<file path=ppt/slides/slide6.xml><?xml version="1.0" encoding="utf-8"?>
+<p:sld xmlns:a="http://schemas.openxmlformats.org/drawingml/2006/main" xmlns:r="http://schemas.openxmlformats.org/officeDocument/2006/relationships" xmlns:p="http://schemas.openxmlformats.org/presentationml/2006/main">
+  <p:cSld>
+    <p:spTree>
+      <p:nvGrpSpPr>
+        <p:cNvPr id="1" name=""/>
+        <p:cNvGrpSpPr/>
+        <p:nvPr/>
+      </p:nvGrpSpPr>
+      <p:grpSpPr>
+        <a:xfrm>
+          <a:off x="0" y="0"/>
+          <a:ext cx="0" cy="0"/>
+          <a:chOff x="0" y="0"/>
+          <a:chExt cx="0" cy="0"/>
+        </a:xfrm>
+      </p:grpSpPr>
+      <p:sp>
+        <p:nvSpPr>
+          <p:cNvPr id="2" name="Titel 1">
+            <a:extLst>
+              <a:ext uri="{FF2B5EF4-FFF2-40B4-BE49-F238E27FC236}">
+                <a16:creationId xmlns:a16="http://schemas.microsoft.com/office/drawing/2014/main" id="{6BC8A6AA-35CE-9D24-4927-255A9D44582B}"/>
+              </a:ext>
+            </a:extLst>
+          </p:cNvPr>
+          <p:cNvSpPr>
+            <a:spLocks noGrp="1"/>
+          </p:cNvSpPr>
+          <p:nvPr>
+            <p:ph type="title"/>
+          </p:nvPr>
+        </p:nvSpPr>
+        <p:spPr/>
+        <p:txBody>
+          <a:bodyPr/>
+          <a:lstStyle/>
+          <a:p>
+            <a:r>
+              <a:rPr lang="en-US" dirty="0"/>
+              <a:t>Testing</a:t>
+            </a:r>
+          </a:p>
+        </p:txBody>
+      </p:sp>
+      <p:sp>
+        <p:nvSpPr>
+          <p:cNvPr id="3" name="Tijdelijke aanduiding voor inhoud 2">
+            <a:extLst>
+              <a:ext uri="{FF2B5EF4-FFF2-40B4-BE49-F238E27FC236}">
+                <a16:creationId xmlns:a16="http://schemas.microsoft.com/office/drawing/2014/main" id="{D064C164-F585-33AF-AEF8-AF8F135B9B75}"/>
+              </a:ext>
+            </a:extLst>
+          </p:cNvPr>
+          <p:cNvSpPr>
+            <a:spLocks noGrp="1"/>
+          </p:cNvSpPr>
+          <p:nvPr>
+            <p:ph idx="1"/>
+          </p:nvPr>
+        </p:nvSpPr>
+        <p:spPr/>
+        <p:txBody>
+          <a:bodyPr/>
+          <a:lstStyle/>
+          <a:p>
+            <a:r>
+              <a:rPr lang="en-US" dirty="0"/>
+              <a:t>Abstractions to .</a:t>
+            </a:r>
+            <a:r>
+              <a:rPr lang="en-US" dirty="0" err="1"/>
+              <a:t>py</a:t>
+            </a:r>
+            <a:r>
+              <a:rPr lang="en-US" dirty="0"/>
+              <a:t> files</a:t>
+            </a:r>
+          </a:p>
+          <a:p>
+            <a:r>
+              <a:rPr lang="en-US" dirty="0"/>
+              <a:t>Easier loading and testing of trained models</a:t>
+            </a:r>
+          </a:p>
+          <a:p>
+            <a:r>
+              <a:rPr lang="en-US" dirty="0"/>
+              <a:t>Inference time </a:t>
+            </a:r>
+          </a:p>
+          <a:p>
+            <a:r>
+              <a:rPr lang="en-US" dirty="0"/>
+              <a:t>Performance with ink blots</a:t>
+            </a:r>
+          </a:p>
+        </p:txBody>
+      </p:sp>
+      <p:pic>
+        <p:nvPicPr>
+          <p:cNvPr id="4" name="Tijdelijke aanduiding voor inhoud 4" descr="Afbeelding met tekst, lucht&#10;&#10;Automatisch gegenereerde beschrijving">
+            <a:extLst>
+              <a:ext uri="{FF2B5EF4-FFF2-40B4-BE49-F238E27FC236}">
+                <a16:creationId xmlns:a16="http://schemas.microsoft.com/office/drawing/2014/main" id="{3F37F8C2-4012-A852-3BED-5B0512C25522}"/>
+              </a:ext>
+            </a:extLst>
+          </p:cNvPr>
+          <p:cNvPicPr>
+            <a:picLocks noChangeAspect="1"/>
+          </p:cNvPicPr>
+          <p:nvPr/>
+        </p:nvPicPr>
+        <p:blipFill>
+          <a:blip r:embed="rId2">
+            <a:extLst>
+              <a:ext uri="{28A0092B-C50C-407E-A947-70E740481C1C}">
+                <a14:useLocalDpi xmlns:a14="http://schemas.microsoft.com/office/drawing/2010/main" val="0"/>
+              </a:ext>
+            </a:extLst>
+          </a:blip>
+          <a:stretch>
+            <a:fillRect/>
+          </a:stretch>
+        </p:blipFill>
+        <p:spPr>
+          <a:xfrm>
+            <a:off x="1447800" y="4001294"/>
+            <a:ext cx="10515600" cy="2660675"/>
+          </a:xfrm>
+          <a:prstGeom prst="rect">
+            <a:avLst/>
+          </a:prstGeom>
+        </p:spPr>
+      </p:pic>
+    </p:spTree>
+    <p:extLst>
+      <p:ext uri="{BB962C8B-B14F-4D97-AF65-F5344CB8AC3E}">
+        <p14:creationId xmlns:p14="http://schemas.microsoft.com/office/powerpoint/2010/main" val="751387883"/>
+      </p:ext>
+    </p:extLst>
+  </p:cSld>
+  <p:clrMapOvr>
+    <a:masterClrMapping/>
+  </p:clrMapOvr>
+</p:sld>
+</file>
+
+<file path=ppt/slides/slide7.xml><?xml version="1.0" encoding="utf-8"?>
+<p:sld xmlns:a="http://schemas.openxmlformats.org/drawingml/2006/main" xmlns:r="http://schemas.openxmlformats.org/officeDocument/2006/relationships" xmlns:p="http://schemas.openxmlformats.org/presentationml/2006/main">
+  <p:cSld>
+    <p:spTree>
+      <p:nvGrpSpPr>
+        <p:cNvPr id="1" name=""/>
+        <p:cNvGrpSpPr/>
+        <p:nvPr/>
+      </p:nvGrpSpPr>
+      <p:grpSpPr>
+        <a:xfrm>
+          <a:off x="0" y="0"/>
+          <a:ext cx="0" cy="0"/>
+          <a:chOff x="0" y="0"/>
+          <a:chExt cx="0" cy="0"/>
+        </a:xfrm>
+      </p:grpSpPr>
+      <p:sp>
+        <p:nvSpPr>
+          <p:cNvPr id="2" name="Titel 1">
+            <a:extLst>
+              <a:ext uri="{FF2B5EF4-FFF2-40B4-BE49-F238E27FC236}">
+                <a16:creationId xmlns:a16="http://schemas.microsoft.com/office/drawing/2014/main" id="{AF412FFE-9CCC-E686-7020-DB23BD85F784}"/>
+              </a:ext>
+            </a:extLst>
+          </p:cNvPr>
+          <p:cNvSpPr>
+            <a:spLocks noGrp="1"/>
+          </p:cNvSpPr>
+          <p:nvPr>
+            <p:ph type="title"/>
+          </p:nvPr>
+        </p:nvSpPr>
+        <p:spPr/>
+        <p:txBody>
+          <a:bodyPr/>
+          <a:lstStyle/>
+          <a:p>
+            <a:r>
+              <a:rPr lang="en-US" dirty="0"/>
+              <a:t>Loss functions</a:t>
+            </a:r>
+          </a:p>
+        </p:txBody>
+      </p:sp>
+      <p:sp>
+        <p:nvSpPr>
+          <p:cNvPr id="3" name="Tijdelijke aanduiding voor inhoud 2">
+            <a:extLst>
+              <a:ext uri="{FF2B5EF4-FFF2-40B4-BE49-F238E27FC236}">
+                <a16:creationId xmlns:a16="http://schemas.microsoft.com/office/drawing/2014/main" id="{E74A7DA0-3836-20C9-918E-6C762075920E}"/>
+              </a:ext>
+            </a:extLst>
+          </p:cNvPr>
+          <p:cNvSpPr>
+            <a:spLocks noGrp="1"/>
+          </p:cNvSpPr>
+          <p:nvPr>
+            <p:ph idx="1"/>
+          </p:nvPr>
+        </p:nvSpPr>
+        <p:spPr>
+          <a:xfrm>
+            <a:off x="838200" y="1825625"/>
+            <a:ext cx="4667250" cy="4351338"/>
+          </a:xfrm>
+        </p:spPr>
+        <p:txBody>
+          <a:bodyPr/>
+          <a:lstStyle/>
+          <a:p>
+            <a:r>
+              <a:rPr lang="en-US" dirty="0"/>
+              <a:t>No trend similarity measures MSE loss </a:t>
+            </a:r>
+          </a:p>
+          <a:p>
+            <a:r>
+              <a:rPr lang="en-US" dirty="0"/>
+              <a:t>Dynamic time dilation, DTW</a:t>
+            </a:r>
+          </a:p>
+          <a:p>
+            <a:r>
+              <a:rPr lang="en-US" dirty="0"/>
+              <a:t>Gradient difference</a:t>
+            </a:r>
+          </a:p>
+          <a:p>
+            <a:endParaRPr lang="en-US" dirty="0"/>
+          </a:p>
+        </p:txBody>
+      </p:sp>
+      <p:pic>
+        <p:nvPicPr>
+          <p:cNvPr id="9" name="Afbeelding 8">
+            <a:extLst>
+              <a:ext uri="{FF2B5EF4-FFF2-40B4-BE49-F238E27FC236}">
+                <a16:creationId xmlns:a16="http://schemas.microsoft.com/office/drawing/2014/main" id="{78B590B5-A092-70A6-79AD-6B3BC12523D9}"/>
+              </a:ext>
+            </a:extLst>
+          </p:cNvPr>
+          <p:cNvPicPr>
+            <a:picLocks noChangeAspect="1"/>
+          </p:cNvPicPr>
+          <p:nvPr/>
+        </p:nvPicPr>
+        <p:blipFill>
+          <a:blip r:embed="rId2">
+            <a:extLst>
+              <a:ext uri="{28A0092B-C50C-407E-A947-70E740481C1C}">
+                <a14:useLocalDpi xmlns:a14="http://schemas.microsoft.com/office/drawing/2010/main" val="0"/>
+              </a:ext>
+            </a:extLst>
+          </a:blip>
+          <a:stretch>
+            <a:fillRect/>
+          </a:stretch>
+        </p:blipFill>
+        <p:spPr>
+          <a:xfrm>
+            <a:off x="5890622" y="1020820"/>
+            <a:ext cx="6063253" cy="2980474"/>
+          </a:xfrm>
+          <a:prstGeom prst="rect">
+            <a:avLst/>
+          </a:prstGeom>
+        </p:spPr>
+      </p:pic>
+      <p:pic>
+        <p:nvPicPr>
+          <p:cNvPr id="11" name="Afbeelding 10">
+            <a:extLst>
+              <a:ext uri="{FF2B5EF4-FFF2-40B4-BE49-F238E27FC236}">
+                <a16:creationId xmlns:a16="http://schemas.microsoft.com/office/drawing/2014/main" id="{5A4C600F-90DB-967F-58A2-727B7F542851}"/>
+              </a:ext>
+            </a:extLst>
+          </p:cNvPr>
+          <p:cNvPicPr>
+            <a:picLocks noChangeAspect="1"/>
+          </p:cNvPicPr>
+          <p:nvPr/>
+        </p:nvPicPr>
+        <p:blipFill>
+          <a:blip r:embed="rId3">
+            <a:extLst>
+              <a:ext uri="{28A0092B-C50C-407E-A947-70E740481C1C}">
+                <a14:useLocalDpi xmlns:a14="http://schemas.microsoft.com/office/drawing/2010/main" val="0"/>
+              </a:ext>
+            </a:extLst>
+          </a:blip>
+          <a:stretch>
+            <a:fillRect/>
+          </a:stretch>
+        </p:blipFill>
+        <p:spPr>
+          <a:xfrm>
+            <a:off x="5897509" y="4001294"/>
+            <a:ext cx="6056366" cy="2828598"/>
+          </a:xfrm>
+          <a:prstGeom prst="rect">
+            <a:avLst/>
+          </a:prstGeom>
+        </p:spPr>
+      </p:pic>
+    </p:spTree>
+    <p:extLst>
+      <p:ext uri="{BB962C8B-B14F-4D97-AF65-F5344CB8AC3E}">
+        <p14:creationId xmlns:p14="http://schemas.microsoft.com/office/powerpoint/2010/main" val="2505927658"/>
+      </p:ext>
+    </p:extLst>
+  </p:cSld>
+  <p:clrMapOvr>
+    <a:masterClrMapping/>
+  </p:clrMapOvr>
+</p:sld>
+</file>
+
+<file path=ppt/slides/slide8.xml><?xml version="1.0" encoding="utf-8"?>
+<p:sld xmlns:a="http://schemas.openxmlformats.org/drawingml/2006/main" xmlns:r="http://schemas.openxmlformats.org/officeDocument/2006/relationships" xmlns:p="http://schemas.openxmlformats.org/presentationml/2006/main">
+  <p:cSld>
+    <p:spTree>
+      <p:nvGrpSpPr>
+        <p:cNvPr id="1" name=""/>
+        <p:cNvGrpSpPr/>
+        <p:nvPr/>
+      </p:nvGrpSpPr>
+      <p:grpSpPr>
+        <a:xfrm>
+          <a:off x="0" y="0"/>
+          <a:ext cx="0" cy="0"/>
+          <a:chOff x="0" y="0"/>
+          <a:chExt cx="0" cy="0"/>
+        </a:xfrm>
+      </p:grpSpPr>
+      <p:sp>
+        <p:nvSpPr>
+          <p:cNvPr id="2" name="Titel 1">
+            <a:extLst>
+              <a:ext uri="{FF2B5EF4-FFF2-40B4-BE49-F238E27FC236}">
+                <a16:creationId xmlns:a16="http://schemas.microsoft.com/office/drawing/2014/main" id="{D792D965-9229-3A9E-DBED-17BD3671973F}"/>
+              </a:ext>
+            </a:extLst>
+          </p:cNvPr>
+          <p:cNvSpPr>
+            <a:spLocks noGrp="1"/>
+          </p:cNvSpPr>
+          <p:nvPr>
+            <p:ph type="title"/>
+          </p:nvPr>
+        </p:nvSpPr>
+        <p:spPr/>
+        <p:txBody>
+          <a:bodyPr/>
+          <a:lstStyle/>
+          <a:p>
+            <a:r>
+              <a:rPr lang="en-US" dirty="0"/>
+              <a:t>Paper discussion</a:t>
+            </a:r>
+          </a:p>
+        </p:txBody>
+      </p:sp>
+      <p:sp>
+        <p:nvSpPr>
+          <p:cNvPr id="3" name="Tijdelijke aanduiding voor inhoud 2">
+            <a:extLst>
+              <a:ext uri="{FF2B5EF4-FFF2-40B4-BE49-F238E27FC236}">
+                <a16:creationId xmlns:a16="http://schemas.microsoft.com/office/drawing/2014/main" id="{CA87E07F-84DA-5F8B-B092-BE0EFC670767}"/>
+              </a:ext>
+            </a:extLst>
+          </p:cNvPr>
+          <p:cNvSpPr>
+            <a:spLocks noGrp="1"/>
+          </p:cNvSpPr>
+          <p:nvPr>
+            <p:ph idx="1"/>
+          </p:nvPr>
+        </p:nvSpPr>
+        <p:spPr/>
+        <p:txBody>
+          <a:bodyPr/>
+          <a:lstStyle/>
+          <a:p>
+            <a:r>
+              <a:rPr lang="en-US" dirty="0"/>
+              <a:t>Good in word or latex necessary?</a:t>
+            </a:r>
+          </a:p>
+          <a:p>
+            <a:pPr lvl="1"/>
+            <a:r>
+              <a:rPr lang="en-US" dirty="0"/>
+              <a:t>Fonts, themes</a:t>
+            </a:r>
+          </a:p>
+          <a:p>
+            <a:pPr lvl="1"/>
+            <a:r>
+              <a:rPr lang="en-US" dirty="0"/>
+              <a:t>reference style: APA</a:t>
+            </a:r>
+          </a:p>
+          <a:p>
+            <a:r>
+              <a:rPr lang="en-US" dirty="0"/>
+              <a:t>Conference paper</a:t>
+            </a:r>
+          </a:p>
+          <a:p>
+            <a:r>
+              <a:rPr lang="en-US" dirty="0"/>
+              <a:t>Extra results in appendix</a:t>
+            </a:r>
+          </a:p>
+          <a:p>
+            <a:r>
+              <a:rPr lang="en-US" dirty="0"/>
+              <a:t>Other methods</a:t>
+            </a:r>
+          </a:p>
+          <a:p>
+            <a:r>
+              <a:rPr lang="en-US" dirty="0"/>
+              <a:t>Effect of other parameters</a:t>
+            </a:r>
+          </a:p>
+          <a:p>
+            <a:endParaRPr lang="en-US" dirty="0"/>
+          </a:p>
+          <a:p>
+            <a:endParaRPr lang="en-US" dirty="0"/>
+          </a:p>
+        </p:txBody>
+      </p:sp>
+    </p:spTree>
+    <p:extLst>
+      <p:ext uri="{BB962C8B-B14F-4D97-AF65-F5344CB8AC3E}">
+        <p14:creationId xmlns:p14="http://schemas.microsoft.com/office/powerpoint/2010/main" val="4172250804"/>
+      </p:ext>
+    </p:extLst>
+  </p:cSld>
+  <p:clrMapOvr>
+    <a:masterClrMapping/>
+  </p:clrMapOvr>
+</p:sld>
+</file>
+
+<file path=ppt/slides/slide9.xml><?xml version="1.0" encoding="utf-8"?>
+<p:sld xmlns:a="http://schemas.openxmlformats.org/drawingml/2006/main" xmlns:r="http://schemas.openxmlformats.org/officeDocument/2006/relationships" xmlns:p="http://schemas.openxmlformats.org/presentationml/2006/main">
+  <p:cSld>
+    <p:spTree>
+      <p:nvGrpSpPr>
+        <p:cNvPr id="1" name=""/>
+        <p:cNvGrpSpPr/>
+        <p:nvPr/>
+      </p:nvGrpSpPr>
+      <p:grpSpPr>
+        <a:xfrm>
+          <a:off x="0" y="0"/>
+          <a:ext cx="0" cy="0"/>
+          <a:chOff x="0" y="0"/>
+          <a:chExt cx="0" cy="0"/>
+        </a:xfrm>
+      </p:grpSpPr>
+      <p:sp>
+        <p:nvSpPr>
+          <p:cNvPr id="2" name="Titel 1">
+            <a:extLst>
+              <a:ext uri="{FF2B5EF4-FFF2-40B4-BE49-F238E27FC236}">
+                <a16:creationId xmlns:a16="http://schemas.microsoft.com/office/drawing/2014/main" id="{99B939A9-649E-5256-018D-CEDD31A3915B}"/>
+              </a:ext>
+            </a:extLst>
+          </p:cNvPr>
+          <p:cNvSpPr>
+            <a:spLocks noGrp="1"/>
+          </p:cNvSpPr>
+          <p:nvPr>
+            <p:ph type="title"/>
+          </p:nvPr>
+        </p:nvSpPr>
+        <p:spPr/>
+        <p:txBody>
+          <a:bodyPr/>
+          <a:lstStyle/>
+          <a:p>
+            <a:r>
+              <a:rPr lang="en-US" dirty="0"/>
+              <a:t>Feedback</a:t>
+            </a:r>
+          </a:p>
+        </p:txBody>
+      </p:sp>
+      <p:sp>
+        <p:nvSpPr>
+          <p:cNvPr id="3" name="Tijdelijke aanduiding voor inhoud 2">
+            <a:extLst>
+              <a:ext uri="{FF2B5EF4-FFF2-40B4-BE49-F238E27FC236}">
+                <a16:creationId xmlns:a16="http://schemas.microsoft.com/office/drawing/2014/main" id="{C7CE3467-B358-EB69-E35B-7BDC9A010465}"/>
+              </a:ext>
+            </a:extLst>
+          </p:cNvPr>
+          <p:cNvSpPr>
+            <a:spLocks noGrp="1"/>
+          </p:cNvSpPr>
+          <p:nvPr>
+            <p:ph idx="1"/>
+          </p:nvPr>
+        </p:nvSpPr>
+        <p:spPr/>
+        <p:txBody>
+          <a:bodyPr/>
+          <a:lstStyle/>
+          <a:p>
+            <a:r>
+              <a:rPr lang="en-US" dirty="0"/>
+              <a:t>Focus more on the results</a:t>
+            </a:r>
+          </a:p>
+          <a:p>
+            <a:r>
+              <a:rPr lang="en-US" dirty="0"/>
+              <a:t>Remove parts on real data</a:t>
+            </a:r>
+          </a:p>
+          <a:p>
+            <a:r>
+              <a:rPr lang="en-US" dirty="0"/>
+              <a:t>Pollux P902</a:t>
+            </a:r>
+          </a:p>
+          <a:p>
+            <a:r>
+              <a:rPr lang="en-US" dirty="0"/>
+              <a:t>Operation window for drone (depends on drone, wind)</a:t>
+            </a:r>
+          </a:p>
+          <a:p>
+            <a:r>
+              <a:rPr lang="en-US" dirty="0"/>
+              <a:t>LR failures, other failures</a:t>
+            </a:r>
+          </a:p>
+          <a:p>
+            <a:r>
+              <a:rPr lang="en-US" dirty="0"/>
+              <a:t>Data visualization</a:t>
+            </a:r>
+          </a:p>
+          <a:p>
+            <a:r>
+              <a:rPr lang="en-US" dirty="0"/>
+              <a:t>DPLR one of the best methods with given sensor and its data</a:t>
+            </a:r>
+          </a:p>
+          <a:p>
+            <a:endParaRPr lang="en-US" dirty="0"/>
+          </a:p>
+          <a:p>
+            <a:endParaRPr lang="en-US" dirty="0"/>
+          </a:p>
+          <a:p>
+            <a:endParaRPr lang="en-US" dirty="0"/>
+          </a:p>
+          <a:p>
+            <a:endParaRPr lang="en-US" dirty="0"/>
+          </a:p>
+        </p:txBody>
+      </p:sp>
+    </p:spTree>
+    <p:extLst>
+      <p:ext uri="{BB962C8B-B14F-4D97-AF65-F5344CB8AC3E}">
+        <p14:creationId xmlns:p14="http://schemas.microsoft.com/office/powerpoint/2010/main" val="1590943642"/>
       </p:ext>
     </p:extLst>
   </p:cSld>
